--- a/PPTX-to-PDF-advanced-options/Include-hidden-slides/.NET/Include-hidden-slides/Data/Template.pptx
+++ b/PPTX-to-PDF-advanced-options/Include-hidden-slides/.NET/Include-hidden-slides/Data/Template.pptx
@@ -4,13 +4,10 @@
   <p:sldMasterIdLst>
     <p:sldMasterId id="2147483648" r:id="rId1"/>
   </p:sldMasterIdLst>
-  <p:notesMasterIdLst>
-    <p:notesMasterId r:id="rId5"/>
-  </p:notesMasterIdLst>
   <p:sldIdLst>
     <p:sldId id="256" r:id="rId2"/>
-    <p:sldId id="257" r:id="rId3"/>
-    <p:sldId id="261" r:id="rId4"/>
+    <p:sldId id="261" r:id="rId3"/>
+    <p:sldId id="257" r:id="rId4"/>
   </p:sldIdLst>
   <p:sldSz cx="12192000" cy="6858000"/>
   <p:notesSz cx="6858000" cy="9144000"/>
@@ -117,628 +114,6 @@
 </p:presentation>
 </file>
 
-<file path=ppt/notesMasters/notesMaster1.xml><?xml version="1.0" encoding="utf-8"?>
-<p:notesMaster xmlns:a="http://schemas.openxmlformats.org/drawingml/2006/main" xmlns:r="http://schemas.openxmlformats.org/officeDocument/2006/relationships" xmlns:p="http://schemas.openxmlformats.org/presentationml/2006/main">
-  <p:cSld>
-    <p:bg>
-      <p:bgRef idx="1001">
-        <a:schemeClr val="bg1"/>
-      </p:bgRef>
-    </p:bg>
-    <p:spTree>
-      <p:nvGrpSpPr>
-        <p:cNvPr id="1" name=""/>
-        <p:cNvGrpSpPr/>
-        <p:nvPr/>
-      </p:nvGrpSpPr>
-      <p:grpSpPr>
-        <a:xfrm>
-          <a:off x="0" y="0"/>
-          <a:ext cx="0" cy="0"/>
-          <a:chOff x="0" y="0"/>
-          <a:chExt cx="0" cy="0"/>
-        </a:xfrm>
-      </p:grpSpPr>
-      <p:sp>
-        <p:nvSpPr>
-          <p:cNvPr id="2" name="Header Placeholder 1"/>
-          <p:cNvSpPr>
-            <a:spLocks noGrp="1"/>
-          </p:cNvSpPr>
-          <p:nvPr>
-            <p:ph type="hdr" sz="quarter"/>
-          </p:nvPr>
-        </p:nvSpPr>
-        <p:spPr>
-          <a:xfrm>
-            <a:off x="0" y="0"/>
-            <a:ext cx="2971800" cy="458788"/>
-          </a:xfrm>
-          <a:prstGeom prst="rect">
-            <a:avLst/>
-          </a:prstGeom>
-        </p:spPr>
-        <p:txBody>
-          <a:bodyPr vert="horz" lIns="91440" tIns="45720" rIns="91440" bIns="45720" rtlCol="0"/>
-          <a:lstStyle>
-            <a:lvl1pPr algn="l">
-              <a:defRPr sz="1200"/>
-            </a:lvl1pPr>
-          </a:lstStyle>
-          <a:p>
-            <a:endParaRPr lang="en-US"/>
-          </a:p>
-        </p:txBody>
-      </p:sp>
-      <p:sp>
-        <p:nvSpPr>
-          <p:cNvPr id="3" name="Date Placeholder 2"/>
-          <p:cNvSpPr>
-            <a:spLocks noGrp="1"/>
-          </p:cNvSpPr>
-          <p:nvPr>
-            <p:ph type="dt" idx="1"/>
-          </p:nvPr>
-        </p:nvSpPr>
-        <p:spPr>
-          <a:xfrm>
-            <a:off x="3884613" y="0"/>
-            <a:ext cx="2971800" cy="458788"/>
-          </a:xfrm>
-          <a:prstGeom prst="rect">
-            <a:avLst/>
-          </a:prstGeom>
-        </p:spPr>
-        <p:txBody>
-          <a:bodyPr vert="horz" lIns="91440" tIns="45720" rIns="91440" bIns="45720" rtlCol="0"/>
-          <a:lstStyle>
-            <a:lvl1pPr algn="r">
-              <a:defRPr sz="1200"/>
-            </a:lvl1pPr>
-          </a:lstStyle>
-          <a:p>
-            <a:fld id="{17E582D1-4089-40B5-BD73-81D6D12CF870}" type="datetimeFigureOut">
-              <a:rPr lang="en-US" smtClean="0"/>
-              <a:t>12/4/2024</a:t>
-            </a:fld>
-            <a:endParaRPr lang="en-US"/>
-          </a:p>
-        </p:txBody>
-      </p:sp>
-      <p:sp>
-        <p:nvSpPr>
-          <p:cNvPr id="4" name="Slide Image Placeholder 3"/>
-          <p:cNvSpPr>
-            <a:spLocks noGrp="1" noRot="1" noChangeAspect="1"/>
-          </p:cNvSpPr>
-          <p:nvPr>
-            <p:ph type="sldImg" idx="2"/>
-          </p:nvPr>
-        </p:nvSpPr>
-        <p:spPr>
-          <a:xfrm>
-            <a:off x="685800" y="1143000"/>
-            <a:ext cx="5486400" cy="3086100"/>
-          </a:xfrm>
-          <a:prstGeom prst="rect">
-            <a:avLst/>
-          </a:prstGeom>
-          <a:noFill/>
-          <a:ln w="12700">
-            <a:solidFill>
-              <a:prstClr val="black"/>
-            </a:solidFill>
-          </a:ln>
-        </p:spPr>
-        <p:txBody>
-          <a:bodyPr vert="horz" lIns="91440" tIns="45720" rIns="91440" bIns="45720" rtlCol="0" anchor="ctr"/>
-          <a:lstStyle/>
-          <a:p>
-            <a:endParaRPr lang="en-US"/>
-          </a:p>
-        </p:txBody>
-      </p:sp>
-      <p:sp>
-        <p:nvSpPr>
-          <p:cNvPr id="5" name="Notes Placeholder 4"/>
-          <p:cNvSpPr>
-            <a:spLocks noGrp="1"/>
-          </p:cNvSpPr>
-          <p:nvPr>
-            <p:ph type="body" sz="quarter" idx="3"/>
-          </p:nvPr>
-        </p:nvSpPr>
-        <p:spPr>
-          <a:xfrm>
-            <a:off x="685800" y="4400550"/>
-            <a:ext cx="5486400" cy="3600450"/>
-          </a:xfrm>
-          <a:prstGeom prst="rect">
-            <a:avLst/>
-          </a:prstGeom>
-        </p:spPr>
-        <p:txBody>
-          <a:bodyPr vert="horz" lIns="91440" tIns="45720" rIns="91440" bIns="45720" rtlCol="0"/>
-          <a:lstStyle/>
-          <a:p>
-            <a:pPr lvl="0"/>
-            <a:r>
-              <a:rPr lang="en-US"/>
-              <a:t>Click to edit Master text styles</a:t>
-            </a:r>
-          </a:p>
-          <a:p>
-            <a:pPr lvl="1"/>
-            <a:r>
-              <a:rPr lang="en-US"/>
-              <a:t>Second level</a:t>
-            </a:r>
-          </a:p>
-          <a:p>
-            <a:pPr lvl="2"/>
-            <a:r>
-              <a:rPr lang="en-US"/>
-              <a:t>Third level</a:t>
-            </a:r>
-          </a:p>
-          <a:p>
-            <a:pPr lvl="3"/>
-            <a:r>
-              <a:rPr lang="en-US"/>
-              <a:t>Fourth level</a:t>
-            </a:r>
-          </a:p>
-          <a:p>
-            <a:pPr lvl="4"/>
-            <a:r>
-              <a:rPr lang="en-US"/>
-              <a:t>Fifth level</a:t>
-            </a:r>
-          </a:p>
-        </p:txBody>
-      </p:sp>
-      <p:sp>
-        <p:nvSpPr>
-          <p:cNvPr id="6" name="Footer Placeholder 5"/>
-          <p:cNvSpPr>
-            <a:spLocks noGrp="1"/>
-          </p:cNvSpPr>
-          <p:nvPr>
-            <p:ph type="ftr" sz="quarter" idx="4"/>
-          </p:nvPr>
-        </p:nvSpPr>
-        <p:spPr>
-          <a:xfrm>
-            <a:off x="0" y="8685213"/>
-            <a:ext cx="2971800" cy="458787"/>
-          </a:xfrm>
-          <a:prstGeom prst="rect">
-            <a:avLst/>
-          </a:prstGeom>
-        </p:spPr>
-        <p:txBody>
-          <a:bodyPr vert="horz" lIns="91440" tIns="45720" rIns="91440" bIns="45720" rtlCol="0" anchor="b"/>
-          <a:lstStyle>
-            <a:lvl1pPr algn="l">
-              <a:defRPr sz="1200"/>
-            </a:lvl1pPr>
-          </a:lstStyle>
-          <a:p>
-            <a:endParaRPr lang="en-US"/>
-          </a:p>
-        </p:txBody>
-      </p:sp>
-      <p:sp>
-        <p:nvSpPr>
-          <p:cNvPr id="7" name="Slide Number Placeholder 6"/>
-          <p:cNvSpPr>
-            <a:spLocks noGrp="1"/>
-          </p:cNvSpPr>
-          <p:nvPr>
-            <p:ph type="sldNum" sz="quarter" idx="5"/>
-          </p:nvPr>
-        </p:nvSpPr>
-        <p:spPr>
-          <a:xfrm>
-            <a:off x="3884613" y="8685213"/>
-            <a:ext cx="2971800" cy="458787"/>
-          </a:xfrm>
-          <a:prstGeom prst="rect">
-            <a:avLst/>
-          </a:prstGeom>
-        </p:spPr>
-        <p:txBody>
-          <a:bodyPr vert="horz" lIns="91440" tIns="45720" rIns="91440" bIns="45720" rtlCol="0" anchor="b"/>
-          <a:lstStyle>
-            <a:lvl1pPr algn="r">
-              <a:defRPr sz="1200"/>
-            </a:lvl1pPr>
-          </a:lstStyle>
-          <a:p>
-            <a:fld id="{ACA7384D-16C0-4435-A5B2-56AA70764EFD}" type="slidenum">
-              <a:rPr lang="en-US" smtClean="0"/>
-              <a:t>‹#›</a:t>
-            </a:fld>
-            <a:endParaRPr lang="en-US"/>
-          </a:p>
-        </p:txBody>
-      </p:sp>
-    </p:spTree>
-    <p:extLst>
-      <p:ext uri="{BB962C8B-B14F-4D97-AF65-F5344CB8AC3E}">
-        <p14:creationId xmlns:p14="http://schemas.microsoft.com/office/powerpoint/2010/main" val="3761485476"/>
-      </p:ext>
-    </p:extLst>
-  </p:cSld>
-  <p:clrMap bg1="lt1" tx1="dk1" bg2="lt2" tx2="dk2" accent1="accent1" accent2="accent2" accent3="accent3" accent4="accent4" accent5="accent5" accent6="accent6" hlink="hlink" folHlink="folHlink"/>
-  <p:notesStyle>
-    <a:lvl1pPr marL="0" algn="l" defTabSz="914400" rtl="0" eaLnBrk="1" latinLnBrk="0" hangingPunct="1">
-      <a:defRPr sz="1200" kern="1200">
-        <a:solidFill>
-          <a:schemeClr val="tx1"/>
-        </a:solidFill>
-        <a:latin typeface="+mn-lt"/>
-        <a:ea typeface="+mn-ea"/>
-        <a:cs typeface="+mn-cs"/>
-      </a:defRPr>
-    </a:lvl1pPr>
-    <a:lvl2pPr marL="457200" algn="l" defTabSz="914400" rtl="0" eaLnBrk="1" latinLnBrk="0" hangingPunct="1">
-      <a:defRPr sz="1200" kern="1200">
-        <a:solidFill>
-          <a:schemeClr val="tx1"/>
-        </a:solidFill>
-        <a:latin typeface="+mn-lt"/>
-        <a:ea typeface="+mn-ea"/>
-        <a:cs typeface="+mn-cs"/>
-      </a:defRPr>
-    </a:lvl2pPr>
-    <a:lvl3pPr marL="914400" algn="l" defTabSz="914400" rtl="0" eaLnBrk="1" latinLnBrk="0" hangingPunct="1">
-      <a:defRPr sz="1200" kern="1200">
-        <a:solidFill>
-          <a:schemeClr val="tx1"/>
-        </a:solidFill>
-        <a:latin typeface="+mn-lt"/>
-        <a:ea typeface="+mn-ea"/>
-        <a:cs typeface="+mn-cs"/>
-      </a:defRPr>
-    </a:lvl3pPr>
-    <a:lvl4pPr marL="1371600" algn="l" defTabSz="914400" rtl="0" eaLnBrk="1" latinLnBrk="0" hangingPunct="1">
-      <a:defRPr sz="1200" kern="1200">
-        <a:solidFill>
-          <a:schemeClr val="tx1"/>
-        </a:solidFill>
-        <a:latin typeface="+mn-lt"/>
-        <a:ea typeface="+mn-ea"/>
-        <a:cs typeface="+mn-cs"/>
-      </a:defRPr>
-    </a:lvl4pPr>
-    <a:lvl5pPr marL="1828800" algn="l" defTabSz="914400" rtl="0" eaLnBrk="1" latinLnBrk="0" hangingPunct="1">
-      <a:defRPr sz="1200" kern="1200">
-        <a:solidFill>
-          <a:schemeClr val="tx1"/>
-        </a:solidFill>
-        <a:latin typeface="+mn-lt"/>
-        <a:ea typeface="+mn-ea"/>
-        <a:cs typeface="+mn-cs"/>
-      </a:defRPr>
-    </a:lvl5pPr>
-    <a:lvl6pPr marL="2286000" algn="l" defTabSz="914400" rtl="0" eaLnBrk="1" latinLnBrk="0" hangingPunct="1">
-      <a:defRPr sz="1200" kern="1200">
-        <a:solidFill>
-          <a:schemeClr val="tx1"/>
-        </a:solidFill>
-        <a:latin typeface="+mn-lt"/>
-        <a:ea typeface="+mn-ea"/>
-        <a:cs typeface="+mn-cs"/>
-      </a:defRPr>
-    </a:lvl6pPr>
-    <a:lvl7pPr marL="2743200" algn="l" defTabSz="914400" rtl="0" eaLnBrk="1" latinLnBrk="0" hangingPunct="1">
-      <a:defRPr sz="1200" kern="1200">
-        <a:solidFill>
-          <a:schemeClr val="tx1"/>
-        </a:solidFill>
-        <a:latin typeface="+mn-lt"/>
-        <a:ea typeface="+mn-ea"/>
-        <a:cs typeface="+mn-cs"/>
-      </a:defRPr>
-    </a:lvl7pPr>
-    <a:lvl8pPr marL="3200400" algn="l" defTabSz="914400" rtl="0" eaLnBrk="1" latinLnBrk="0" hangingPunct="1">
-      <a:defRPr sz="1200" kern="1200">
-        <a:solidFill>
-          <a:schemeClr val="tx1"/>
-        </a:solidFill>
-        <a:latin typeface="+mn-lt"/>
-        <a:ea typeface="+mn-ea"/>
-        <a:cs typeface="+mn-cs"/>
-      </a:defRPr>
-    </a:lvl8pPr>
-    <a:lvl9pPr marL="3657600" algn="l" defTabSz="914400" rtl="0" eaLnBrk="1" latinLnBrk="0" hangingPunct="1">
-      <a:defRPr sz="1200" kern="1200">
-        <a:solidFill>
-          <a:schemeClr val="tx1"/>
-        </a:solidFill>
-        <a:latin typeface="+mn-lt"/>
-        <a:ea typeface="+mn-ea"/>
-        <a:cs typeface="+mn-cs"/>
-      </a:defRPr>
-    </a:lvl9pPr>
-  </p:notesStyle>
-</p:notesMaster>
-</file>
-
-<file path=ppt/notesSlides/notesSlide1.xml><?xml version="1.0" encoding="utf-8"?>
-<p:notes xmlns:a="http://schemas.openxmlformats.org/drawingml/2006/main" xmlns:r="http://schemas.openxmlformats.org/officeDocument/2006/relationships" xmlns:p="http://schemas.openxmlformats.org/presentationml/2006/main">
-  <p:cSld>
-    <p:spTree>
-      <p:nvGrpSpPr>
-        <p:cNvPr id="1" name=""/>
-        <p:cNvGrpSpPr/>
-        <p:nvPr/>
-      </p:nvGrpSpPr>
-      <p:grpSpPr>
-        <a:xfrm>
-          <a:off x="0" y="0"/>
-          <a:ext cx="0" cy="0"/>
-          <a:chOff x="0" y="0"/>
-          <a:chExt cx="0" cy="0"/>
-        </a:xfrm>
-      </p:grpSpPr>
-      <p:sp>
-        <p:nvSpPr>
-          <p:cNvPr id="2" name="Slide Image Placeholder 1"/>
-          <p:cNvSpPr>
-            <a:spLocks noGrp="1" noRot="1" noChangeAspect="1"/>
-          </p:cNvSpPr>
-          <p:nvPr>
-            <p:ph type="sldImg"/>
-          </p:nvPr>
-        </p:nvSpPr>
-        <p:spPr/>
-      </p:sp>
-      <p:sp>
-        <p:nvSpPr>
-          <p:cNvPr id="3" name="Notes Placeholder 2"/>
-          <p:cNvSpPr>
-            <a:spLocks noGrp="1"/>
-          </p:cNvSpPr>
-          <p:nvPr>
-            <p:ph type="body" idx="1"/>
-          </p:nvPr>
-        </p:nvSpPr>
-        <p:spPr/>
-        <p:txBody>
-          <a:bodyPr/>
-          <a:lstStyle/>
-          <a:p>
-            <a:r>
-              <a:rPr lang="en-US" dirty="0"/>
-              <a:t>First slide notes content</a:t>
-            </a:r>
-          </a:p>
-        </p:txBody>
-      </p:sp>
-      <p:sp>
-        <p:nvSpPr>
-          <p:cNvPr id="4" name="Slide Number Placeholder 3"/>
-          <p:cNvSpPr>
-            <a:spLocks noGrp="1"/>
-          </p:cNvSpPr>
-          <p:nvPr>
-            <p:ph type="sldNum" sz="quarter" idx="5"/>
-          </p:nvPr>
-        </p:nvSpPr>
-        <p:spPr/>
-        <p:txBody>
-          <a:bodyPr/>
-          <a:lstStyle/>
-          <a:p>
-            <a:fld id="{ACA7384D-16C0-4435-A5B2-56AA70764EFD}" type="slidenum">
-              <a:rPr lang="en-US" smtClean="0"/>
-              <a:t>1</a:t>
-            </a:fld>
-            <a:endParaRPr lang="en-US"/>
-          </a:p>
-        </p:txBody>
-      </p:sp>
-    </p:spTree>
-    <p:extLst>
-      <p:ext uri="{BB962C8B-B14F-4D97-AF65-F5344CB8AC3E}">
-        <p14:creationId xmlns:p14="http://schemas.microsoft.com/office/powerpoint/2010/main" val="838786082"/>
-      </p:ext>
-    </p:extLst>
-  </p:cSld>
-  <p:clrMapOvr>
-    <a:masterClrMapping/>
-  </p:clrMapOvr>
-</p:notes>
-</file>
-
-<file path=ppt/notesSlides/notesSlide2.xml><?xml version="1.0" encoding="utf-8"?>
-<p:notes xmlns:a="http://schemas.openxmlformats.org/drawingml/2006/main" xmlns:r="http://schemas.openxmlformats.org/officeDocument/2006/relationships" xmlns:p="http://schemas.openxmlformats.org/presentationml/2006/main">
-  <p:cSld>
-    <p:spTree>
-      <p:nvGrpSpPr>
-        <p:cNvPr id="1" name=""/>
-        <p:cNvGrpSpPr/>
-        <p:nvPr/>
-      </p:nvGrpSpPr>
-      <p:grpSpPr>
-        <a:xfrm>
-          <a:off x="0" y="0"/>
-          <a:ext cx="0" cy="0"/>
-          <a:chOff x="0" y="0"/>
-          <a:chExt cx="0" cy="0"/>
-        </a:xfrm>
-      </p:grpSpPr>
-      <p:sp>
-        <p:nvSpPr>
-          <p:cNvPr id="2" name="Slide Image Placeholder 1"/>
-          <p:cNvSpPr>
-            <a:spLocks noGrp="1" noRot="1" noChangeAspect="1"/>
-          </p:cNvSpPr>
-          <p:nvPr>
-            <p:ph type="sldImg"/>
-          </p:nvPr>
-        </p:nvSpPr>
-        <p:spPr/>
-      </p:sp>
-      <p:sp>
-        <p:nvSpPr>
-          <p:cNvPr id="3" name="Notes Placeholder 2"/>
-          <p:cNvSpPr>
-            <a:spLocks noGrp="1"/>
-          </p:cNvSpPr>
-          <p:nvPr>
-            <p:ph type="body" idx="1"/>
-          </p:nvPr>
-        </p:nvSpPr>
-        <p:spPr/>
-        <p:txBody>
-          <a:bodyPr/>
-          <a:lstStyle/>
-          <a:p>
-            <a:r>
-              <a:rPr lang="en-US" dirty="0"/>
-              <a:t>Second </a:t>
-            </a:r>
-            <a:r>
-              <a:rPr lang="en-US"/>
-              <a:t>slide notes </a:t>
-            </a:r>
-            <a:r>
-              <a:rPr lang="en-US" dirty="0"/>
-              <a:t>content</a:t>
-            </a:r>
-          </a:p>
-        </p:txBody>
-      </p:sp>
-      <p:sp>
-        <p:nvSpPr>
-          <p:cNvPr id="4" name="Slide Number Placeholder 3"/>
-          <p:cNvSpPr>
-            <a:spLocks noGrp="1"/>
-          </p:cNvSpPr>
-          <p:nvPr>
-            <p:ph type="sldNum" sz="quarter" idx="5"/>
-          </p:nvPr>
-        </p:nvSpPr>
-        <p:spPr/>
-        <p:txBody>
-          <a:bodyPr/>
-          <a:lstStyle/>
-          <a:p>
-            <a:fld id="{ACA7384D-16C0-4435-A5B2-56AA70764EFD}" type="slidenum">
-              <a:rPr lang="en-US" smtClean="0"/>
-              <a:t>2</a:t>
-            </a:fld>
-            <a:endParaRPr lang="en-US"/>
-          </a:p>
-        </p:txBody>
-      </p:sp>
-    </p:spTree>
-    <p:extLst>
-      <p:ext uri="{BB962C8B-B14F-4D97-AF65-F5344CB8AC3E}">
-        <p14:creationId xmlns:p14="http://schemas.microsoft.com/office/powerpoint/2010/main" val="2454914321"/>
-      </p:ext>
-    </p:extLst>
-  </p:cSld>
-  <p:clrMapOvr>
-    <a:masterClrMapping/>
-  </p:clrMapOvr>
-</p:notes>
-</file>
-
-<file path=ppt/notesSlides/notesSlide3.xml><?xml version="1.0" encoding="utf-8"?>
-<p:notes xmlns:a="http://schemas.openxmlformats.org/drawingml/2006/main" xmlns:r="http://schemas.openxmlformats.org/officeDocument/2006/relationships" xmlns:p="http://schemas.openxmlformats.org/presentationml/2006/main">
-  <p:cSld>
-    <p:spTree>
-      <p:nvGrpSpPr>
-        <p:cNvPr id="1" name=""/>
-        <p:cNvGrpSpPr/>
-        <p:nvPr/>
-      </p:nvGrpSpPr>
-      <p:grpSpPr>
-        <a:xfrm>
-          <a:off x="0" y="0"/>
-          <a:ext cx="0" cy="0"/>
-          <a:chOff x="0" y="0"/>
-          <a:chExt cx="0" cy="0"/>
-        </a:xfrm>
-      </p:grpSpPr>
-      <p:sp>
-        <p:nvSpPr>
-          <p:cNvPr id="2" name="Slide Image Placeholder 1"/>
-          <p:cNvSpPr>
-            <a:spLocks noGrp="1" noRot="1" noChangeAspect="1"/>
-          </p:cNvSpPr>
-          <p:nvPr>
-            <p:ph type="sldImg"/>
-          </p:nvPr>
-        </p:nvSpPr>
-        <p:spPr/>
-      </p:sp>
-      <p:sp>
-        <p:nvSpPr>
-          <p:cNvPr id="3" name="Notes Placeholder 2"/>
-          <p:cNvSpPr>
-            <a:spLocks noGrp="1"/>
-          </p:cNvSpPr>
-          <p:nvPr>
-            <p:ph type="body" idx="1"/>
-          </p:nvPr>
-        </p:nvSpPr>
-        <p:spPr/>
-        <p:txBody>
-          <a:bodyPr/>
-          <a:lstStyle/>
-          <a:p>
-            <a:r>
-              <a:rPr lang="en-US" dirty="0"/>
-              <a:t>Third slide </a:t>
-            </a:r>
-            <a:r>
-              <a:rPr lang="en-US"/>
-              <a:t>notes content</a:t>
-            </a:r>
-          </a:p>
-        </p:txBody>
-      </p:sp>
-      <p:sp>
-        <p:nvSpPr>
-          <p:cNvPr id="4" name="Slide Number Placeholder 3"/>
-          <p:cNvSpPr>
-            <a:spLocks noGrp="1"/>
-          </p:cNvSpPr>
-          <p:nvPr>
-            <p:ph type="sldNum" sz="quarter" idx="5"/>
-          </p:nvPr>
-        </p:nvSpPr>
-        <p:spPr/>
-        <p:txBody>
-          <a:bodyPr/>
-          <a:lstStyle/>
-          <a:p>
-            <a:fld id="{ACA7384D-16C0-4435-A5B2-56AA70764EFD}" type="slidenum">
-              <a:rPr lang="en-US" smtClean="0"/>
-              <a:t>3</a:t>
-            </a:fld>
-            <a:endParaRPr lang="en-US"/>
-          </a:p>
-        </p:txBody>
-      </p:sp>
-    </p:spTree>
-    <p:extLst>
-      <p:ext uri="{BB962C8B-B14F-4D97-AF65-F5344CB8AC3E}">
-        <p14:creationId xmlns:p14="http://schemas.microsoft.com/office/powerpoint/2010/main" val="3580424857"/>
-      </p:ext>
-    </p:extLst>
-  </p:cSld>
-  <p:clrMapOvr>
-    <a:masterClrMapping/>
-  </p:clrMapOvr>
-</p:notes>
-</file>
-
 <file path=ppt/slideLayouts/slideLayout1.xml><?xml version="1.0" encoding="utf-8"?>
 <p:sldLayout xmlns:a="http://schemas.openxmlformats.org/drawingml/2006/main" xmlns:r="http://schemas.openxmlformats.org/officeDocument/2006/relationships" xmlns:p="http://schemas.openxmlformats.org/presentationml/2006/main">
   <p:cSld name="Title Slide">
@@ -948,193 +323,6 @@
 </file>
 
 <file path=ppt/slideLayouts/slideLayout10.xml><?xml version="1.0" encoding="utf-8"?>
-<p:sldLayout xmlns:a="http://schemas.openxmlformats.org/drawingml/2006/main" xmlns:r="http://schemas.openxmlformats.org/officeDocument/2006/relationships" xmlns:p="http://schemas.openxmlformats.org/presentationml/2006/main">
-  <p:cSld name="Title and Vertical Text">
-    <p:spTree>
-      <p:nvGrpSpPr>
-        <p:cNvPr id="1" name=""/>
-        <p:cNvGrpSpPr/>
-        <p:nvPr/>
-      </p:nvGrpSpPr>
-      <p:grpSpPr>
-        <a:xfrm>
-          <a:off x="0" y="0"/>
-          <a:ext cx="0" cy="0"/>
-          <a:chOff x="0" y="0"/>
-          <a:chExt cx="0" cy="0"/>
-        </a:xfrm>
-      </p:grpSpPr>
-      <p:sp>
-        <p:nvSpPr>
-          <p:cNvPr id="2" name="Title 1"/>
-          <p:cNvSpPr>
-            <a:spLocks noGrp="1"/>
-          </p:cNvSpPr>
-          <p:nvPr>
-            <p:ph type="title"/>
-          </p:nvPr>
-        </p:nvSpPr>
-        <p:spPr bwMode="white">
-          <a:ln>
-            <a:headEnd type="none"/>
-            <a:tailEnd type="none"/>
-          </a:ln>
-        </p:spPr>
-        <p:txBody>
-          <a:bodyPr wrap="square"/>
-          <a:lstStyle/>
-          <a:p>
-            <a:r>
-              <a:rPr lang="en-US" dirty="0"/>
-              <a:t>Click to edit Master title style</a:t>
-            </a:r>
-          </a:p>
-        </p:txBody>
-      </p:sp>
-      <p:sp>
-        <p:nvSpPr>
-          <p:cNvPr id="3" name="Vertical Text Placeholder 2"/>
-          <p:cNvSpPr>
-            <a:spLocks noGrp="1"/>
-          </p:cNvSpPr>
-          <p:nvPr>
-            <p:ph type="body" orient="vert" idx="1"/>
-          </p:nvPr>
-        </p:nvSpPr>
-        <p:spPr bwMode="white">
-          <a:ln>
-            <a:headEnd type="none"/>
-            <a:tailEnd type="none"/>
-          </a:ln>
-        </p:spPr>
-        <p:txBody>
-          <a:bodyPr vert="eaVert" wrap="square"/>
-          <a:lstStyle/>
-          <a:p>
-            <a:r>
-              <a:rPr lang="en-US" dirty="0"/>
-              <a:t>Edit Master text styles</a:t>
-            </a:r>
-          </a:p>
-          <a:p>
-            <a:pPr lvl="1"/>
-            <a:r>
-              <a:rPr lang="en-US" dirty="0"/>
-              <a:t>Second level</a:t>
-            </a:r>
-          </a:p>
-          <a:p>
-            <a:pPr lvl="2"/>
-            <a:r>
-              <a:rPr lang="en-US" dirty="0"/>
-              <a:t>Third level</a:t>
-            </a:r>
-          </a:p>
-          <a:p>
-            <a:pPr lvl="3"/>
-            <a:r>
-              <a:rPr lang="en-US" dirty="0"/>
-              <a:t>Fourth level</a:t>
-            </a:r>
-          </a:p>
-          <a:p>
-            <a:pPr lvl="4"/>
-            <a:r>
-              <a:rPr lang="en-US" dirty="0"/>
-              <a:t>Fifth level</a:t>
-            </a:r>
-          </a:p>
-        </p:txBody>
-      </p:sp>
-      <p:sp>
-        <p:nvSpPr>
-          <p:cNvPr id="4" name="Date Placeholder 3"/>
-          <p:cNvSpPr>
-            <a:spLocks noGrp="1"/>
-          </p:cNvSpPr>
-          <p:nvPr>
-            <p:ph type="dt" sz="half" idx="10"/>
-          </p:nvPr>
-        </p:nvSpPr>
-        <p:spPr bwMode="white">
-          <a:ln>
-            <a:headEnd type="none"/>
-            <a:tailEnd type="none"/>
-          </a:ln>
-        </p:spPr>
-        <p:txBody>
-          <a:bodyPr wrap="square"/>
-          <a:lstStyle/>
-          <a:p>
-            <a:fld id="{5455A7CF-DB6C-4325-93B5-8C3F06D80356}" type="datetimeFigureOut">
-              <a:rPr lang="en-US" dirty="0"/>
-              <a:t>12/4/2024</a:t>
-            </a:fld>
-            <a:endParaRPr lang="en-US" dirty="0"/>
-          </a:p>
-        </p:txBody>
-      </p:sp>
-      <p:sp>
-        <p:nvSpPr>
-          <p:cNvPr id="5" name="Footer Placeholder 4"/>
-          <p:cNvSpPr>
-            <a:spLocks noGrp="1"/>
-          </p:cNvSpPr>
-          <p:nvPr>
-            <p:ph type="ftr" sz="quarter" idx="11"/>
-          </p:nvPr>
-        </p:nvSpPr>
-        <p:spPr bwMode="white">
-          <a:ln>
-            <a:headEnd type="none"/>
-            <a:tailEnd type="none"/>
-          </a:ln>
-        </p:spPr>
-        <p:txBody>
-          <a:bodyPr wrap="square"/>
-          <a:lstStyle/>
-          <a:p>
-            <a:endParaRPr lang="en-US" dirty="0"/>
-          </a:p>
-        </p:txBody>
-      </p:sp>
-      <p:sp>
-        <p:nvSpPr>
-          <p:cNvPr id="6" name="Slide Number Placeholder 5"/>
-          <p:cNvSpPr>
-            <a:spLocks noGrp="1"/>
-          </p:cNvSpPr>
-          <p:nvPr>
-            <p:ph type="sldNum" sz="quarter" idx="12"/>
-          </p:nvPr>
-        </p:nvSpPr>
-        <p:spPr bwMode="white">
-          <a:ln>
-            <a:headEnd type="none"/>
-            <a:tailEnd type="none"/>
-          </a:ln>
-        </p:spPr>
-        <p:txBody>
-          <a:bodyPr wrap="square"/>
-          <a:lstStyle/>
-          <a:p>
-            <a:fld id="{24E76E65-7777-4C32-B153-6028045D6BD3}" type="slidenum">
-              <a:rPr lang="en-US" dirty="0"/>
-              <a:t>‹#›</a:t>
-            </a:fld>
-            <a:endParaRPr lang="en-US" dirty="0"/>
-          </a:p>
-        </p:txBody>
-      </p:sp>
-    </p:spTree>
-  </p:cSld>
-  <p:clrMapOvr>
-    <a:masterClrMapping/>
-  </p:clrMapOvr>
-</p:sldLayout>
-</file>
-
-<file path=ppt/slideLayouts/slideLayout11.xml><?xml version="1.0" encoding="utf-8"?>
 <p:sldLayout xmlns:a="http://schemas.openxmlformats.org/drawingml/2006/main" xmlns:r="http://schemas.openxmlformats.org/officeDocument/2006/relationships" xmlns:p="http://schemas.openxmlformats.org/presentationml/2006/main">
   <p:cSld name="Vertical Title and Text">
     <p:spTree>
@@ -1518,268 +706,6 @@
 
 <file path=ppt/slideLayouts/slideLayout3.xml><?xml version="1.0" encoding="utf-8"?>
 <p:sldLayout xmlns:a="http://schemas.openxmlformats.org/drawingml/2006/main" xmlns:r="http://schemas.openxmlformats.org/officeDocument/2006/relationships" xmlns:p="http://schemas.openxmlformats.org/presentationml/2006/main">
-  <p:cSld name="Section Header">
-    <p:spTree>
-      <p:nvGrpSpPr>
-        <p:cNvPr id="1" name=""/>
-        <p:cNvGrpSpPr/>
-        <p:nvPr/>
-      </p:nvGrpSpPr>
-      <p:grpSpPr>
-        <a:xfrm>
-          <a:off x="0" y="0"/>
-          <a:ext cx="0" cy="0"/>
-          <a:chOff x="0" y="0"/>
-          <a:chExt cx="0" cy="0"/>
-        </a:xfrm>
-      </p:grpSpPr>
-      <p:sp>
-        <p:nvSpPr>
-          <p:cNvPr id="2" name="Title 1"/>
-          <p:cNvSpPr>
-            <a:spLocks noGrp="1"/>
-          </p:cNvSpPr>
-          <p:nvPr>
-            <p:ph type="title"/>
-          </p:nvPr>
-        </p:nvSpPr>
-        <p:spPr bwMode="white">
-          <a:xfrm>
-            <a:off x="831850" y="1709738"/>
-            <a:ext cx="10515600" cy="2852737"/>
-          </a:xfrm>
-          <a:ln>
-            <a:headEnd type="none"/>
-            <a:tailEnd type="none"/>
-          </a:ln>
-        </p:spPr>
-        <p:txBody>
-          <a:bodyPr wrap="square" anchor="b"/>
-          <a:lstStyle>
-            <a:lvl1pPr>
-              <a:defRPr sz="6000" dirty="0"/>
-            </a:lvl1pPr>
-          </a:lstStyle>
-          <a:p>
-            <a:r>
-              <a:rPr lang="en-US" dirty="0"/>
-              <a:t>Click to edit Master title style</a:t>
-            </a:r>
-          </a:p>
-        </p:txBody>
-      </p:sp>
-      <p:sp>
-        <p:nvSpPr>
-          <p:cNvPr id="3" name="Text Placeholder 2"/>
-          <p:cNvSpPr>
-            <a:spLocks noGrp="1"/>
-          </p:cNvSpPr>
-          <p:nvPr>
-            <p:ph type="body" idx="1"/>
-          </p:nvPr>
-        </p:nvSpPr>
-        <p:spPr bwMode="white">
-          <a:xfrm>
-            <a:off x="831850" y="4589463"/>
-            <a:ext cx="10515600" cy="1500187"/>
-          </a:xfrm>
-          <a:ln>
-            <a:headEnd type="none"/>
-            <a:tailEnd type="none"/>
-          </a:ln>
-        </p:spPr>
-        <p:txBody>
-          <a:bodyPr wrap="square"/>
-          <a:lstStyle>
-            <a:lvl1pPr marL="0" indent="0">
-              <a:buNone/>
-              <a:defRPr sz="2400" dirty="0">
-                <a:solidFill>
-                  <a:schemeClr val="tx1">
-                    <a:tint val="75000"/>
-                  </a:schemeClr>
-                </a:solidFill>
-              </a:defRPr>
-            </a:lvl1pPr>
-            <a:lvl2pPr marL="457200" indent="0">
-              <a:buNone/>
-              <a:defRPr sz="2000" dirty="0">
-                <a:solidFill>
-                  <a:schemeClr val="tx1">
-                    <a:tint val="75000"/>
-                  </a:schemeClr>
-                </a:solidFill>
-              </a:defRPr>
-            </a:lvl2pPr>
-            <a:lvl3pPr marL="914400" indent="0">
-              <a:buNone/>
-              <a:defRPr sz="1800" dirty="0">
-                <a:solidFill>
-                  <a:schemeClr val="tx1">
-                    <a:tint val="75000"/>
-                  </a:schemeClr>
-                </a:solidFill>
-              </a:defRPr>
-            </a:lvl3pPr>
-            <a:lvl4pPr marL="1371600" indent="0">
-              <a:buNone/>
-              <a:defRPr sz="1600" dirty="0">
-                <a:solidFill>
-                  <a:schemeClr val="tx1">
-                    <a:tint val="75000"/>
-                  </a:schemeClr>
-                </a:solidFill>
-              </a:defRPr>
-            </a:lvl4pPr>
-            <a:lvl5pPr marL="1828800" indent="0">
-              <a:buNone/>
-              <a:defRPr sz="1600" dirty="0">
-                <a:solidFill>
-                  <a:schemeClr val="tx1">
-                    <a:tint val="75000"/>
-                  </a:schemeClr>
-                </a:solidFill>
-              </a:defRPr>
-            </a:lvl5pPr>
-            <a:lvl6pPr marL="2286000" indent="0">
-              <a:buNone/>
-              <a:defRPr sz="1600" dirty="0">
-                <a:solidFill>
-                  <a:schemeClr val="tx1">
-                    <a:tint val="75000"/>
-                  </a:schemeClr>
-                </a:solidFill>
-              </a:defRPr>
-            </a:lvl6pPr>
-            <a:lvl7pPr marL="2743200" indent="0">
-              <a:buNone/>
-              <a:defRPr sz="1600" dirty="0">
-                <a:solidFill>
-                  <a:schemeClr val="tx1">
-                    <a:tint val="75000"/>
-                  </a:schemeClr>
-                </a:solidFill>
-              </a:defRPr>
-            </a:lvl7pPr>
-            <a:lvl8pPr marL="3200400" indent="0">
-              <a:buNone/>
-              <a:defRPr sz="1600" dirty="0">
-                <a:solidFill>
-                  <a:schemeClr val="tx1">
-                    <a:tint val="75000"/>
-                  </a:schemeClr>
-                </a:solidFill>
-              </a:defRPr>
-            </a:lvl8pPr>
-            <a:lvl9pPr marL="3657600" indent="0">
-              <a:buNone/>
-              <a:defRPr sz="1600" dirty="0">
-                <a:solidFill>
-                  <a:schemeClr val="tx1">
-                    <a:tint val="75000"/>
-                  </a:schemeClr>
-                </a:solidFill>
-              </a:defRPr>
-            </a:lvl9pPr>
-          </a:lstStyle>
-          <a:p>
-            <a:r>
-              <a:rPr lang="en-US" dirty="0"/>
-              <a:t>Edit Master text styles</a:t>
-            </a:r>
-          </a:p>
-        </p:txBody>
-      </p:sp>
-      <p:sp>
-        <p:nvSpPr>
-          <p:cNvPr id="4" name="Date Placeholder 3"/>
-          <p:cNvSpPr>
-            <a:spLocks noGrp="1"/>
-          </p:cNvSpPr>
-          <p:nvPr>
-            <p:ph type="dt" sz="half" idx="10"/>
-          </p:nvPr>
-        </p:nvSpPr>
-        <p:spPr bwMode="white">
-          <a:ln>
-            <a:headEnd type="none"/>
-            <a:tailEnd type="none"/>
-          </a:ln>
-        </p:spPr>
-        <p:txBody>
-          <a:bodyPr wrap="square"/>
-          <a:lstStyle/>
-          <a:p>
-            <a:fld id="{5455A7CF-DB6C-4325-93B5-8C3F06D80356}" type="datetimeFigureOut">
-              <a:rPr lang="en-US" dirty="0"/>
-              <a:t>12/4/2024</a:t>
-            </a:fld>
-            <a:endParaRPr lang="en-US" dirty="0"/>
-          </a:p>
-        </p:txBody>
-      </p:sp>
-      <p:sp>
-        <p:nvSpPr>
-          <p:cNvPr id="5" name="Footer Placeholder 4"/>
-          <p:cNvSpPr>
-            <a:spLocks noGrp="1"/>
-          </p:cNvSpPr>
-          <p:nvPr>
-            <p:ph type="ftr" sz="quarter" idx="11"/>
-          </p:nvPr>
-        </p:nvSpPr>
-        <p:spPr bwMode="white">
-          <a:ln>
-            <a:headEnd type="none"/>
-            <a:tailEnd type="none"/>
-          </a:ln>
-        </p:spPr>
-        <p:txBody>
-          <a:bodyPr wrap="square"/>
-          <a:lstStyle/>
-          <a:p>
-            <a:endParaRPr lang="en-US" dirty="0"/>
-          </a:p>
-        </p:txBody>
-      </p:sp>
-      <p:sp>
-        <p:nvSpPr>
-          <p:cNvPr id="6" name="Slide Number Placeholder 5"/>
-          <p:cNvSpPr>
-            <a:spLocks noGrp="1"/>
-          </p:cNvSpPr>
-          <p:nvPr>
-            <p:ph type="sldNum" sz="quarter" idx="12"/>
-          </p:nvPr>
-        </p:nvSpPr>
-        <p:spPr bwMode="white">
-          <a:ln>
-            <a:headEnd type="none"/>
-            <a:tailEnd type="none"/>
-          </a:ln>
-        </p:spPr>
-        <p:txBody>
-          <a:bodyPr wrap="square"/>
-          <a:lstStyle/>
-          <a:p>
-            <a:fld id="{24E76E65-7777-4C32-B153-6028045D6BD3}" type="slidenum">
-              <a:rPr lang="en-US" dirty="0"/>
-              <a:t>‹#›</a:t>
-            </a:fld>
-            <a:endParaRPr lang="en-US" dirty="0"/>
-          </a:p>
-        </p:txBody>
-      </p:sp>
-    </p:spTree>
-  </p:cSld>
-  <p:clrMapOvr>
-    <a:masterClrMapping/>
-  </p:clrMapOvr>
-</p:sldLayout>
-</file>
-
-<file path=ppt/slideLayouts/slideLayout4.xml><?xml version="1.0" encoding="utf-8"?>
-<p:sldLayout xmlns:a="http://schemas.openxmlformats.org/drawingml/2006/main" xmlns:r="http://schemas.openxmlformats.org/officeDocument/2006/relationships" xmlns:p="http://schemas.openxmlformats.org/presentationml/2006/main">
   <p:cSld name="Two Content">
     <p:spTree>
       <p:nvGrpSpPr>
@@ -2028,7 +954,7 @@
 </p:sldLayout>
 </file>
 
-<file path=ppt/slideLayouts/slideLayout5.xml><?xml version="1.0" encoding="utf-8"?>
+<file path=ppt/slideLayouts/slideLayout4.xml><?xml version="1.0" encoding="utf-8"?>
 <p:sldLayout xmlns:a="http://schemas.openxmlformats.org/drawingml/2006/main" xmlns:r="http://schemas.openxmlformats.org/officeDocument/2006/relationships" xmlns:p="http://schemas.openxmlformats.org/presentationml/2006/main">
   <p:cSld name="Comparison">
     <p:spTree>
@@ -2418,7 +1344,7 @@
 </p:sldLayout>
 </file>
 
-<file path=ppt/slideLayouts/slideLayout6.xml><?xml version="1.0" encoding="utf-8"?>
+<file path=ppt/slideLayouts/slideLayout5.xml><?xml version="1.0" encoding="utf-8"?>
 <p:sldLayout xmlns:a="http://schemas.openxmlformats.org/drawingml/2006/main" xmlns:r="http://schemas.openxmlformats.org/officeDocument/2006/relationships" xmlns:p="http://schemas.openxmlformats.org/presentationml/2006/main">
   <p:cSld name="Title Only">
     <p:spTree>
@@ -2550,7 +1476,7 @@
 </p:sldLayout>
 </file>
 
-<file path=ppt/slideLayouts/slideLayout7.xml><?xml version="1.0" encoding="utf-8"?>
+<file path=ppt/slideLayouts/slideLayout6.xml><?xml version="1.0" encoding="utf-8"?>
 <p:sldLayout xmlns:a="http://schemas.openxmlformats.org/drawingml/2006/main" xmlns:r="http://schemas.openxmlformats.org/officeDocument/2006/relationships" xmlns:p="http://schemas.openxmlformats.org/presentationml/2006/main">
   <p:cSld name="Blank">
     <p:spTree>
@@ -2655,7 +1581,7 @@
 </p:sldLayout>
 </file>
 
-<file path=ppt/slideLayouts/slideLayout8.xml><?xml version="1.0" encoding="utf-8"?>
+<file path=ppt/slideLayouts/slideLayout7.xml><?xml version="1.0" encoding="utf-8"?>
 <p:sldLayout xmlns:a="http://schemas.openxmlformats.org/drawingml/2006/main" xmlns:r="http://schemas.openxmlformats.org/officeDocument/2006/relationships" xmlns:p="http://schemas.openxmlformats.org/presentationml/2006/main">
   <p:cSld name="Content with Caption">
     <p:spTree>
@@ -2950,7 +1876,7 @@
 </p:sldLayout>
 </file>
 
-<file path=ppt/slideLayouts/slideLayout9.xml><?xml version="1.0" encoding="utf-8"?>
+<file path=ppt/slideLayouts/slideLayout8.xml><?xml version="1.0" encoding="utf-8"?>
 <p:sldLayout xmlns:a="http://schemas.openxmlformats.org/drawingml/2006/main" xmlns:r="http://schemas.openxmlformats.org/officeDocument/2006/relationships" xmlns:p="http://schemas.openxmlformats.org/presentationml/2006/main">
   <p:cSld name="Picture with Caption">
     <p:spTree>
@@ -3190,6 +2116,193 @@
       <p:sp>
         <p:nvSpPr>
           <p:cNvPr id="7" name="Slide Number Placeholder 6"/>
+          <p:cNvSpPr>
+            <a:spLocks noGrp="1"/>
+          </p:cNvSpPr>
+          <p:nvPr>
+            <p:ph type="sldNum" sz="quarter" idx="12"/>
+          </p:nvPr>
+        </p:nvSpPr>
+        <p:spPr bwMode="white">
+          <a:ln>
+            <a:headEnd type="none"/>
+            <a:tailEnd type="none"/>
+          </a:ln>
+        </p:spPr>
+        <p:txBody>
+          <a:bodyPr wrap="square"/>
+          <a:lstStyle/>
+          <a:p>
+            <a:fld id="{24E76E65-7777-4C32-B153-6028045D6BD3}" type="slidenum">
+              <a:rPr lang="en-US" dirty="0"/>
+              <a:t>‹#›</a:t>
+            </a:fld>
+            <a:endParaRPr lang="en-US" dirty="0"/>
+          </a:p>
+        </p:txBody>
+      </p:sp>
+    </p:spTree>
+  </p:cSld>
+  <p:clrMapOvr>
+    <a:masterClrMapping/>
+  </p:clrMapOvr>
+</p:sldLayout>
+</file>
+
+<file path=ppt/slideLayouts/slideLayout9.xml><?xml version="1.0" encoding="utf-8"?>
+<p:sldLayout xmlns:a="http://schemas.openxmlformats.org/drawingml/2006/main" xmlns:r="http://schemas.openxmlformats.org/officeDocument/2006/relationships" xmlns:p="http://schemas.openxmlformats.org/presentationml/2006/main">
+  <p:cSld name="Title and Vertical Text">
+    <p:spTree>
+      <p:nvGrpSpPr>
+        <p:cNvPr id="1" name=""/>
+        <p:cNvGrpSpPr/>
+        <p:nvPr/>
+      </p:nvGrpSpPr>
+      <p:grpSpPr>
+        <a:xfrm>
+          <a:off x="0" y="0"/>
+          <a:ext cx="0" cy="0"/>
+          <a:chOff x="0" y="0"/>
+          <a:chExt cx="0" cy="0"/>
+        </a:xfrm>
+      </p:grpSpPr>
+      <p:sp>
+        <p:nvSpPr>
+          <p:cNvPr id="2" name="Title 1"/>
+          <p:cNvSpPr>
+            <a:spLocks noGrp="1"/>
+          </p:cNvSpPr>
+          <p:nvPr>
+            <p:ph type="title"/>
+          </p:nvPr>
+        </p:nvSpPr>
+        <p:spPr bwMode="white">
+          <a:ln>
+            <a:headEnd type="none"/>
+            <a:tailEnd type="none"/>
+          </a:ln>
+        </p:spPr>
+        <p:txBody>
+          <a:bodyPr wrap="square"/>
+          <a:lstStyle/>
+          <a:p>
+            <a:r>
+              <a:rPr lang="en-US" dirty="0"/>
+              <a:t>Click to edit Master title style</a:t>
+            </a:r>
+          </a:p>
+        </p:txBody>
+      </p:sp>
+      <p:sp>
+        <p:nvSpPr>
+          <p:cNvPr id="3" name="Vertical Text Placeholder 2"/>
+          <p:cNvSpPr>
+            <a:spLocks noGrp="1"/>
+          </p:cNvSpPr>
+          <p:nvPr>
+            <p:ph type="body" orient="vert" idx="1"/>
+          </p:nvPr>
+        </p:nvSpPr>
+        <p:spPr bwMode="white">
+          <a:ln>
+            <a:headEnd type="none"/>
+            <a:tailEnd type="none"/>
+          </a:ln>
+        </p:spPr>
+        <p:txBody>
+          <a:bodyPr vert="eaVert" wrap="square"/>
+          <a:lstStyle/>
+          <a:p>
+            <a:r>
+              <a:rPr lang="en-US" dirty="0"/>
+              <a:t>Edit Master text styles</a:t>
+            </a:r>
+          </a:p>
+          <a:p>
+            <a:pPr lvl="1"/>
+            <a:r>
+              <a:rPr lang="en-US" dirty="0"/>
+              <a:t>Second level</a:t>
+            </a:r>
+          </a:p>
+          <a:p>
+            <a:pPr lvl="2"/>
+            <a:r>
+              <a:rPr lang="en-US" dirty="0"/>
+              <a:t>Third level</a:t>
+            </a:r>
+          </a:p>
+          <a:p>
+            <a:pPr lvl="3"/>
+            <a:r>
+              <a:rPr lang="en-US" dirty="0"/>
+              <a:t>Fourth level</a:t>
+            </a:r>
+          </a:p>
+          <a:p>
+            <a:pPr lvl="4"/>
+            <a:r>
+              <a:rPr lang="en-US" dirty="0"/>
+              <a:t>Fifth level</a:t>
+            </a:r>
+          </a:p>
+        </p:txBody>
+      </p:sp>
+      <p:sp>
+        <p:nvSpPr>
+          <p:cNvPr id="4" name="Date Placeholder 3"/>
+          <p:cNvSpPr>
+            <a:spLocks noGrp="1"/>
+          </p:cNvSpPr>
+          <p:nvPr>
+            <p:ph type="dt" sz="half" idx="10"/>
+          </p:nvPr>
+        </p:nvSpPr>
+        <p:spPr bwMode="white">
+          <a:ln>
+            <a:headEnd type="none"/>
+            <a:tailEnd type="none"/>
+          </a:ln>
+        </p:spPr>
+        <p:txBody>
+          <a:bodyPr wrap="square"/>
+          <a:lstStyle/>
+          <a:p>
+            <a:fld id="{5455A7CF-DB6C-4325-93B5-8C3F06D80356}" type="datetimeFigureOut">
+              <a:rPr lang="en-US" dirty="0"/>
+              <a:t>12/4/2024</a:t>
+            </a:fld>
+            <a:endParaRPr lang="en-US" dirty="0"/>
+          </a:p>
+        </p:txBody>
+      </p:sp>
+      <p:sp>
+        <p:nvSpPr>
+          <p:cNvPr id="5" name="Footer Placeholder 4"/>
+          <p:cNvSpPr>
+            <a:spLocks noGrp="1"/>
+          </p:cNvSpPr>
+          <p:nvPr>
+            <p:ph type="ftr" sz="quarter" idx="11"/>
+          </p:nvPr>
+        </p:nvSpPr>
+        <p:spPr bwMode="white">
+          <a:ln>
+            <a:headEnd type="none"/>
+            <a:tailEnd type="none"/>
+          </a:ln>
+        </p:spPr>
+        <p:txBody>
+          <a:bodyPr wrap="square"/>
+          <a:lstStyle/>
+          <a:p>
+            <a:endParaRPr lang="en-US" dirty="0"/>
+          </a:p>
+        </p:txBody>
+      </p:sp>
+      <p:sp>
+        <p:nvSpPr>
+          <p:cNvPr id="6" name="Slide Number Placeholder 5"/>
           <p:cNvSpPr>
             <a:spLocks noGrp="1"/>
           </p:cNvSpPr>
@@ -3533,15 +2646,14 @@
   <p:sldLayoutIdLst>
     <p:sldLayoutId id="2147483649" r:id="rId1"/>
     <p:sldLayoutId id="2147483650" r:id="rId2"/>
-    <p:sldLayoutId id="2147483651" r:id="rId3"/>
-    <p:sldLayoutId id="2147483652" r:id="rId4"/>
-    <p:sldLayoutId id="2147483653" r:id="rId5"/>
-    <p:sldLayoutId id="2147483654" r:id="rId6"/>
-    <p:sldLayoutId id="2147483655" r:id="rId7"/>
-    <p:sldLayoutId id="2147483656" r:id="rId8"/>
-    <p:sldLayoutId id="2147483657" r:id="rId9"/>
-    <p:sldLayoutId id="2147483658" r:id="rId10"/>
-    <p:sldLayoutId id="2147483659" r:id="rId11"/>
+    <p:sldLayoutId id="2147483652" r:id="rId3"/>
+    <p:sldLayoutId id="2147483653" r:id="rId4"/>
+    <p:sldLayoutId id="2147483654" r:id="rId5"/>
+    <p:sldLayoutId id="2147483655" r:id="rId6"/>
+    <p:sldLayoutId id="2147483656" r:id="rId7"/>
+    <p:sldLayoutId id="2147483657" r:id="rId8"/>
+    <p:sldLayoutId id="2147483658" r:id="rId9"/>
+    <p:sldLayoutId id="2147483659" r:id="rId10"/>
   </p:sldLayoutIdLst>
   <p:txStyles>
     <p:titleStyle>
@@ -3865,8 +2977,8 @@
           <a:p>
             <a:pPr algn="ctr" defTabSz="914400"/>
             <a:r>
-              <a:rPr dirty="0"/>
-              <a:t>Company History</a:t>
+              <a:rPr lang="en-US" sz="4400" b="1" dirty="0"/>
+              <a:t>Adventure Works Cycles</a:t>
             </a:r>
           </a:p>
         </p:txBody>
@@ -3900,17 +3012,10 @@
           <a:p>
             <a:pPr defTabSz="914400"/>
             <a:r>
-              <a:rPr dirty="0"/>
-              <a:t>IMN Solutions PVT LTD is the software company, established in 1987, by George Milton. The company has been listed as the trusted partner for many high-profile organizations since 1988 and got awards for quality product</a:t>
-            </a:r>
-            <a:r>
-              <a:rPr lang="en-US" dirty="0"/>
-              <a:t>ion</a:t>
-            </a:r>
-            <a:r>
-              <a:rPr dirty="0"/>
-              <a:t> from reputed organizations.</a:t>
-            </a:r>
+              <a:rPr lang="en-US" dirty="0"/>
+              <a:t>Adventure Works Cycles, the fictitious company on which the Adventure Works sample databases are based, is a large, multinational manufacturing company. The company manufactures and sells metal and composite bicycles to North American, European and Asian commercial markets.</a:t>
+            </a:r>
+            <a:endParaRPr dirty="0"/>
           </a:p>
         </p:txBody>
       </p:sp>
@@ -3924,8 +3029,8 @@
         </p:nvSpPr>
         <p:spPr bwMode="white">
           <a:xfrm>
-            <a:off x="675894" y="3429000"/>
-            <a:ext cx="5561330" cy="1477264"/>
+            <a:off x="665670" y="3168461"/>
+            <a:ext cx="5561330" cy="1754326"/>
           </a:xfrm>
           <a:prstGeom prst="rect">
             <a:avLst/>
@@ -3945,16 +3050,16 @@
               <a:buAutoNum type="arabicPeriod"/>
             </a:pPr>
             <a:r>
-              <a:rPr dirty="0"/>
-              <a:t>The company </a:t>
-            </a:r>
-            <a:r>
-              <a:rPr lang="en-US" dirty="0"/>
-              <a:t>product </a:t>
-            </a:r>
-            <a:r>
-              <a:rPr dirty="0"/>
-              <a:t>acquired the MCY corporation for 20 billion dollars and became the top revenue maker for the year 2015.</a:t>
+              <a:rPr lang="en-US" dirty="0"/>
+              <a:t>In 2000, Adventure Works Cycles bought a small manufacturing plant, </a:t>
+            </a:r>
+            <a:r>
+              <a:rPr lang="en-US" dirty="0" err="1"/>
+              <a:t>Importadores</a:t>
+            </a:r>
+            <a:r>
+              <a:rPr lang="en-US" dirty="0"/>
+              <a:t> Neptuno, located in Mexico.</a:t>
             </a:r>
           </a:p>
           <a:p>
@@ -3962,43 +3067,16 @@
               <a:buAutoNum type="arabicPeriod"/>
             </a:pPr>
             <a:r>
-              <a:rPr dirty="0"/>
-              <a:t>The company is participating in top open source projects in automation industry.</a:t>
-            </a:r>
-          </a:p>
-        </p:txBody>
-      </p:sp>
-      <p:pic>
-        <p:nvPicPr>
-          <p:cNvPr id="5" name="Picture 5"/>
-          <p:cNvPicPr>
-            <a:picLocks noChangeAspect="1"/>
-          </p:cNvPicPr>
-          <p:nvPr/>
-        </p:nvPicPr>
-        <p:blipFill>
-          <a:blip r:embed="rId3">
-            <a:lum/>
-          </a:blip>
-          <a:srcRect/>
-          <a:stretch>
-            <a:fillRect/>
-          </a:stretch>
-        </p:blipFill>
-        <p:spPr bwMode="white">
-          <a:xfrm>
-            <a:off x="6347333" y="3030093"/>
-            <a:ext cx="4629658" cy="2440432"/>
-          </a:xfrm>
-          <a:prstGeom prst="rect">
-            <a:avLst/>
-          </a:prstGeom>
-          <a:ln>
-            <a:headEnd type="none"/>
-            <a:tailEnd type="none"/>
-          </a:ln>
-        </p:spPr>
-      </p:pic>
+              <a:rPr lang="en-US" dirty="0" err="1"/>
+              <a:t>Importadores</a:t>
+            </a:r>
+            <a:r>
+              <a:rPr lang="en-US" dirty="0"/>
+              <a:t> Neptuno manufactures several critical subcomponents for the Adventure Works Cycles product line.</a:t>
+            </a:r>
+          </a:p>
+        </p:txBody>
+      </p:sp>
       <p:sp>
         <p:nvSpPr>
           <p:cNvPr id="6" name="Explosion16"/>
@@ -4043,12 +3121,49 @@
           <a:p>
             <a:pPr algn="ctr" defTabSz="914400"/>
             <a:r>
-              <a:rPr dirty="0"/>
-              <a:t>IMN</a:t>
-            </a:r>
-          </a:p>
-        </p:txBody>
-      </p:sp>
+              <a:rPr lang="en-US" dirty="0"/>
+              <a:t>Cycle</a:t>
+            </a:r>
+            <a:endParaRPr dirty="0"/>
+          </a:p>
+        </p:txBody>
+      </p:sp>
+      <p:pic>
+        <p:nvPicPr>
+          <p:cNvPr id="8" name="Picture 7" descr="A logo for a bicycle company&#10;&#10;Description automatically generated">
+            <a:extLst>
+              <a:ext uri="{FF2B5EF4-FFF2-40B4-BE49-F238E27FC236}">
+                <a16:creationId xmlns:a16="http://schemas.microsoft.com/office/drawing/2014/main" id="{7D528FB7-9299-621A-DD22-05EC4B5579B7}"/>
+              </a:ext>
+            </a:extLst>
+          </p:cNvPr>
+          <p:cNvPicPr>
+            <a:picLocks noChangeAspect="1"/>
+          </p:cNvPicPr>
+          <p:nvPr/>
+        </p:nvPicPr>
+        <p:blipFill>
+          <a:blip r:embed="rId2">
+            <a:extLst>
+              <a:ext uri="{28A0092B-C50C-407E-A947-70E740481C1C}">
+                <a14:useLocalDpi xmlns:a14="http://schemas.microsoft.com/office/drawing/2010/main" val="0"/>
+              </a:ext>
+            </a:extLst>
+          </a:blip>
+          <a:stretch>
+            <a:fillRect/>
+          </a:stretch>
+        </p:blipFill>
+        <p:spPr>
+          <a:xfrm>
+            <a:off x="6801492" y="3310544"/>
+            <a:ext cx="4552308" cy="1470161"/>
+          </a:xfrm>
+          <a:prstGeom prst="rect">
+            <a:avLst/>
+          </a:prstGeom>
+        </p:spPr>
+      </p:pic>
     </p:spTree>
   </p:cSld>
   <p:clrMapOvr>
@@ -4059,167 +3174,6 @@
 
 <file path=ppt/slides/slide2.xml><?xml version="1.0" encoding="utf-8"?>
 <p:sld xmlns:a="http://schemas.openxmlformats.org/drawingml/2006/main" xmlns:r="http://schemas.openxmlformats.org/officeDocument/2006/relationships" xmlns:p="http://schemas.openxmlformats.org/presentationml/2006/main" show="0">
-  <p:cSld>
-    <p:spTree>
-      <p:nvGrpSpPr>
-        <p:cNvPr id="1" name=""/>
-        <p:cNvGrpSpPr/>
-        <p:nvPr/>
-      </p:nvGrpSpPr>
-      <p:grpSpPr>
-        <a:xfrm>
-          <a:off x="0" y="0"/>
-          <a:ext cx="0" cy="0"/>
-          <a:chOff x="0" y="0"/>
-          <a:chExt cx="0" cy="0"/>
-        </a:xfrm>
-      </p:grpSpPr>
-      <p:sp>
-        <p:nvSpPr>
-          <p:cNvPr id="2" name="Title 1"/>
-          <p:cNvSpPr>
-            <a:spLocks noGrp="1"/>
-          </p:cNvSpPr>
-          <p:nvPr>
-            <p:ph type="title"/>
-          </p:nvPr>
-        </p:nvSpPr>
-        <p:spPr bwMode="white">
-          <a:xfrm>
-            <a:off x="704088" y="292608"/>
-            <a:ext cx="7278624" cy="905256"/>
-          </a:xfrm>
-          <a:ln>
-            <a:headEnd type="none"/>
-            <a:tailEnd type="none"/>
-          </a:ln>
-        </p:spPr>
-        <p:txBody>
-          <a:bodyPr wrap="square"/>
-          <a:lstStyle/>
-          <a:p>
-            <a:pPr algn="l" defTabSz="914400"/>
-            <a:r>
-              <a:rPr lang="en-US" sz="4000" dirty="0">
-                <a:latin typeface="Helvetica CE 35 Thin"/>
-                <a:ea typeface="Helvetica CE 35 Thin"/>
-                <a:cs typeface="Helvetica CE 35 Thin"/>
-              </a:rPr>
-              <a:t>Product Overview</a:t>
-            </a:r>
-            <a:endParaRPr sz="4000" dirty="0">
-              <a:latin typeface="Helvetica CE 35 Thin"/>
-              <a:ea typeface="Helvetica CE 35 Thin"/>
-              <a:cs typeface="Helvetica CE 35 Thin"/>
-            </a:endParaRPr>
-          </a:p>
-        </p:txBody>
-      </p:sp>
-      <p:sp>
-        <p:nvSpPr>
-          <p:cNvPr id="3" name="Text Placeholder 2"/>
-          <p:cNvSpPr>
-            <a:spLocks noGrp="1"/>
-          </p:cNvSpPr>
-          <p:nvPr>
-            <p:ph type="body" idx="1"/>
-          </p:nvPr>
-        </p:nvSpPr>
-        <p:spPr bwMode="white">
-          <a:xfrm>
-            <a:off x="1106424" y="1517904"/>
-            <a:ext cx="9217152" cy="4507992"/>
-          </a:xfrm>
-          <a:ln>
-            <a:headEnd type="none"/>
-            <a:tailEnd type="none"/>
-          </a:ln>
-        </p:spPr>
-        <p:txBody>
-          <a:bodyPr wrap="square">
-            <a:normAutofit/>
-          </a:bodyPr>
-          <a:lstStyle/>
-          <a:p>
-            <a:pPr marL="285750" indent="-285750" algn="l" defTabSz="914400">
-              <a:buFont typeface="Arial"/>
-              <a:buChar char="•"/>
-            </a:pPr>
-            <a:r>
-              <a:rPr lang="en-US" sz="1800" dirty="0">
-                <a:solidFill>
-                  <a:srgbClr val="000000"/>
-                </a:solidFill>
-                <a:latin typeface="Calibri (Body)"/>
-                <a:ea typeface="Calibri (Body)"/>
-                <a:cs typeface="Calibri (Body)"/>
-              </a:rPr>
-              <a:t>Adventure Works Cycles, the fictitious company on which the Adventure Works sample databases are based, is a large, multinational manufacturing company. </a:t>
-            </a:r>
-          </a:p>
-          <a:p>
-            <a:pPr marL="285750" indent="-285750" algn="l" defTabSz="914400">
-              <a:buFont typeface="Arial"/>
-              <a:buChar char="•"/>
-            </a:pPr>
-            <a:r>
-              <a:rPr lang="en-US" sz="1800" dirty="0">
-                <a:solidFill>
-                  <a:srgbClr val="000000"/>
-                </a:solidFill>
-                <a:latin typeface="Calibri (Body)"/>
-                <a:ea typeface="Calibri (Body)"/>
-                <a:cs typeface="Calibri (Body)"/>
-              </a:rPr>
-              <a:t>The company manufactures and sells metal and composite bicycles to North American, European and Asian commercial markets. While its base operation is located in Bothell, Washington with 290 employees, several regional sales teams are located throughout their market base.</a:t>
-            </a:r>
-          </a:p>
-          <a:p>
-            <a:pPr marL="285750" indent="-285750" algn="l" defTabSz="914400">
-              <a:buFont typeface="Arial"/>
-              <a:buChar char="•"/>
-            </a:pPr>
-            <a:r>
-              <a:rPr lang="en-US" sz="1800" dirty="0">
-                <a:solidFill>
-                  <a:srgbClr val="000000"/>
-                </a:solidFill>
-                <a:latin typeface="Calibri (Body)"/>
-                <a:ea typeface="Calibri (Body)"/>
-                <a:cs typeface="Calibri (Body)"/>
-              </a:rPr>
-              <a:t>In 2000, Adventure Works Cycles bought a small manufacturing plant, Importadores Neptuno, located in Mexico. Importadores Neptuno manufactures several critical subcomponents for the Adventure Works Cycles production line. </a:t>
-            </a:r>
-          </a:p>
-          <a:p>
-            <a:pPr marL="285750" indent="-285750" algn="l" defTabSz="914400">
-              <a:buFont typeface="Arial"/>
-              <a:buChar char="•"/>
-            </a:pPr>
-            <a:r>
-              <a:rPr lang="en-US" sz="1800" dirty="0">
-                <a:solidFill>
-                  <a:srgbClr val="000000"/>
-                </a:solidFill>
-                <a:latin typeface="Calibri (Body)"/>
-                <a:ea typeface="Calibri (Body)"/>
-                <a:cs typeface="Calibri (Body)"/>
-              </a:rPr>
-              <a:t>These subcomponents are shipped to the Bothell location for final product assembly. In 2001, Importadores Neptuno, became the sole manufacturer and distributor of the touring bicycle productivity group.</a:t>
-            </a:r>
-          </a:p>
-        </p:txBody>
-      </p:sp>
-    </p:spTree>
-  </p:cSld>
-  <p:clrMapOvr>
-    <a:masterClrMapping/>
-  </p:clrMapOvr>
-</p:sld>
-</file>
-
-<file path=ppt/slides/slide3.xml><?xml version="1.0" encoding="utf-8"?>
-<p:sld xmlns:a="http://schemas.openxmlformats.org/drawingml/2006/main" xmlns:r="http://schemas.openxmlformats.org/officeDocument/2006/relationships" xmlns:p="http://schemas.openxmlformats.org/presentationml/2006/main">
   <p:cSld>
     <p:spTree>
       <p:nvGrpSpPr>
@@ -5876,6 +4830,99 @@
           </a:graphicData>
         </a:graphic>
       </p:graphicFrame>
+    </p:spTree>
+  </p:cSld>
+  <p:clrMapOvr>
+    <a:masterClrMapping/>
+  </p:clrMapOvr>
+</p:sld>
+</file>
+
+<file path=ppt/slides/slide3.xml><?xml version="1.0" encoding="utf-8"?>
+<p:sld xmlns:a="http://schemas.openxmlformats.org/drawingml/2006/main" xmlns:r="http://schemas.openxmlformats.org/officeDocument/2006/relationships" xmlns:p="http://schemas.openxmlformats.org/presentationml/2006/main">
+  <p:cSld>
+    <p:spTree>
+      <p:nvGrpSpPr>
+        <p:cNvPr id="1" name=""/>
+        <p:cNvGrpSpPr/>
+        <p:nvPr/>
+      </p:nvGrpSpPr>
+      <p:grpSpPr>
+        <a:xfrm>
+          <a:off x="0" y="0"/>
+          <a:ext cx="0" cy="0"/>
+          <a:chOff x="0" y="0"/>
+          <a:chExt cx="0" cy="0"/>
+        </a:xfrm>
+      </p:grpSpPr>
+      <p:sp>
+        <p:nvSpPr>
+          <p:cNvPr id="2" name="Title 1"/>
+          <p:cNvSpPr>
+            <a:spLocks noGrp="1"/>
+          </p:cNvSpPr>
+          <p:nvPr>
+            <p:ph type="title"/>
+          </p:nvPr>
+        </p:nvSpPr>
+        <p:spPr>
+          <a:ln>
+            <a:headEnd type="none"/>
+            <a:tailEnd type="none"/>
+          </a:ln>
+        </p:spPr>
+        <p:txBody>
+          <a:bodyPr wrap="square"/>
+          <a:lstStyle/>
+          <a:p>
+            <a:pPr algn="ctr" defTabSz="914400"/>
+            <a:r>
+              <a:rPr sz="4000" dirty="0">
+                <a:latin typeface="Calibri"/>
+                <a:ea typeface="Calibri"/>
+                <a:cs typeface="Calibri"/>
+              </a:rPr>
+              <a:t>About Adventure Works Cycles</a:t>
+            </a:r>
+          </a:p>
+        </p:txBody>
+      </p:sp>
+      <p:pic>
+        <p:nvPicPr>
+          <p:cNvPr id="3" name="Picture 3" descr="About Adventure Works Cycles"/>
+          <p:cNvPicPr>
+            <a:picLocks noChangeAspect="1"/>
+          </p:cNvPicPr>
+          <p:nvPr/>
+        </p:nvPicPr>
+        <p:blipFill>
+          <a:blip r:embed="rId2">
+            <a:lum/>
+            <a:extLst>
+              <a:ext uri="{96DAC541-7B7A-43D3-8B79-37D633B846F1}">
+                <asvg:svgBlip xmlns:asvg="http://schemas.microsoft.com/office/drawing/2016/SVG/main" r:embed="rId3"/>
+              </a:ext>
+            </a:extLst>
+          </a:blip>
+          <a:srcRect/>
+          <a:stretch>
+            <a:fillRect/>
+          </a:stretch>
+        </p:blipFill>
+        <p:spPr>
+          <a:xfrm>
+            <a:off x="2184400" y="1968500"/>
+            <a:ext cx="8166100" cy="3251200"/>
+          </a:xfrm>
+          <a:prstGeom prst="rect">
+            <a:avLst/>
+          </a:prstGeom>
+          <a:ln>
+            <a:headEnd type="none"/>
+            <a:tailEnd type="none"/>
+          </a:ln>
+        </p:spPr>
+      </p:pic>
     </p:spTree>
   </p:cSld>
   <p:clrMapOvr>
@@ -6178,299 +5225,4 @@
   <a:objectDefaults/>
   <a:extraClrSchemeLst/>
 </a:theme>
-</file>
-
-<file path=ppt/theme/theme2.xml><?xml version="1.0" encoding="utf-8"?>
-<a:theme xmlns:a="http://schemas.openxmlformats.org/drawingml/2006/main" name="Office Theme">
-  <a:themeElements>
-    <a:clrScheme name="Office">
-      <a:dk1>
-        <a:sysClr val="windowText" lastClr="000000"/>
-      </a:dk1>
-      <a:lt1>
-        <a:sysClr val="window" lastClr="FFFFFF"/>
-      </a:lt1>
-      <a:dk2>
-        <a:srgbClr val="44546A"/>
-      </a:dk2>
-      <a:lt2>
-        <a:srgbClr val="E7E6E6"/>
-      </a:lt2>
-      <a:accent1>
-        <a:srgbClr val="4472C4"/>
-      </a:accent1>
-      <a:accent2>
-        <a:srgbClr val="ED7D31"/>
-      </a:accent2>
-      <a:accent3>
-        <a:srgbClr val="A5A5A5"/>
-      </a:accent3>
-      <a:accent4>
-        <a:srgbClr val="FFC000"/>
-      </a:accent4>
-      <a:accent5>
-        <a:srgbClr val="5B9BD5"/>
-      </a:accent5>
-      <a:accent6>
-        <a:srgbClr val="70AD47"/>
-      </a:accent6>
-      <a:hlink>
-        <a:srgbClr val="0563C1"/>
-      </a:hlink>
-      <a:folHlink>
-        <a:srgbClr val="954F72"/>
-      </a:folHlink>
-    </a:clrScheme>
-    <a:fontScheme name="Office">
-      <a:majorFont>
-        <a:latin typeface="Calibri Light" panose="020F0302020204030204"/>
-        <a:ea typeface=""/>
-        <a:cs typeface=""/>
-        <a:font script="Jpan" typeface="游ゴシック Light"/>
-        <a:font script="Hang" typeface="맑은 고딕"/>
-        <a:font script="Hans" typeface="等线 Light"/>
-        <a:font script="Hant" typeface="新細明體"/>
-        <a:font script="Arab" typeface="Times New Roman"/>
-        <a:font script="Hebr" typeface="Times New Roman"/>
-        <a:font script="Thai" typeface="Angsana New"/>
-        <a:font script="Ethi" typeface="Nyala"/>
-        <a:font script="Beng" typeface="Vrinda"/>
-        <a:font script="Gujr" typeface="Shruti"/>
-        <a:font script="Khmr" typeface="MoolBoran"/>
-        <a:font script="Knda" typeface="Tunga"/>
-        <a:font script="Guru" typeface="Raavi"/>
-        <a:font script="Cans" typeface="Euphemia"/>
-        <a:font script="Cher" typeface="Plantagenet Cherokee"/>
-        <a:font script="Yiii" typeface="Microsoft Yi Baiti"/>
-        <a:font script="Tibt" typeface="Microsoft Himalaya"/>
-        <a:font script="Thaa" typeface="MV Boli"/>
-        <a:font script="Deva" typeface="Mangal"/>
-        <a:font script="Telu" typeface="Gautami"/>
-        <a:font script="Taml" typeface="Latha"/>
-        <a:font script="Syrc" typeface="Estrangelo Edessa"/>
-        <a:font script="Orya" typeface="Kalinga"/>
-        <a:font script="Mlym" typeface="Kartika"/>
-        <a:font script="Laoo" typeface="DokChampa"/>
-        <a:font script="Sinh" typeface="Iskoola Pota"/>
-        <a:font script="Mong" typeface="Mongolian Baiti"/>
-        <a:font script="Viet" typeface="Times New Roman"/>
-        <a:font script="Uigh" typeface="Microsoft Uighur"/>
-        <a:font script="Geor" typeface="Sylfaen"/>
-        <a:font script="Armn" typeface="Arial"/>
-        <a:font script="Bugi" typeface="Leelawadee UI"/>
-        <a:font script="Bopo" typeface="Microsoft JhengHei"/>
-        <a:font script="Java" typeface="Javanese Text"/>
-        <a:font script="Lisu" typeface="Segoe UI"/>
-        <a:font script="Mymr" typeface="Myanmar Text"/>
-        <a:font script="Nkoo" typeface="Ebrima"/>
-        <a:font script="Olck" typeface="Nirmala UI"/>
-        <a:font script="Osma" typeface="Ebrima"/>
-        <a:font script="Phag" typeface="Phagspa"/>
-        <a:font script="Syrn" typeface="Estrangelo Edessa"/>
-        <a:font script="Syrj" typeface="Estrangelo Edessa"/>
-        <a:font script="Syre" typeface="Estrangelo Edessa"/>
-        <a:font script="Sora" typeface="Nirmala UI"/>
-        <a:font script="Tale" typeface="Microsoft Tai Le"/>
-        <a:font script="Talu" typeface="Microsoft New Tai Lue"/>
-        <a:font script="Tfng" typeface="Ebrima"/>
-      </a:majorFont>
-      <a:minorFont>
-        <a:latin typeface="Calibri" panose="020F0502020204030204"/>
-        <a:ea typeface=""/>
-        <a:cs typeface=""/>
-        <a:font script="Jpan" typeface="游ゴシック"/>
-        <a:font script="Hang" typeface="맑은 고딕"/>
-        <a:font script="Hans" typeface="等线"/>
-        <a:font script="Hant" typeface="新細明體"/>
-        <a:font script="Arab" typeface="Arial"/>
-        <a:font script="Hebr" typeface="Arial"/>
-        <a:font script="Thai" typeface="Cordia New"/>
-        <a:font script="Ethi" typeface="Nyala"/>
-        <a:font script="Beng" typeface="Vrinda"/>
-        <a:font script="Gujr" typeface="Shruti"/>
-        <a:font script="Khmr" typeface="DaunPenh"/>
-        <a:font script="Knda" typeface="Tunga"/>
-        <a:font script="Guru" typeface="Raavi"/>
-        <a:font script="Cans" typeface="Euphemia"/>
-        <a:font script="Cher" typeface="Plantagenet Cherokee"/>
-        <a:font script="Yiii" typeface="Microsoft Yi Baiti"/>
-        <a:font script="Tibt" typeface="Microsoft Himalaya"/>
-        <a:font script="Thaa" typeface="MV Boli"/>
-        <a:font script="Deva" typeface="Mangal"/>
-        <a:font script="Telu" typeface="Gautami"/>
-        <a:font script="Taml" typeface="Latha"/>
-        <a:font script="Syrc" typeface="Estrangelo Edessa"/>
-        <a:font script="Orya" typeface="Kalinga"/>
-        <a:font script="Mlym" typeface="Kartika"/>
-        <a:font script="Laoo" typeface="DokChampa"/>
-        <a:font script="Sinh" typeface="Iskoola Pota"/>
-        <a:font script="Mong" typeface="Mongolian Baiti"/>
-        <a:font script="Viet" typeface="Arial"/>
-        <a:font script="Uigh" typeface="Microsoft Uighur"/>
-        <a:font script="Geor" typeface="Sylfaen"/>
-        <a:font script="Armn" typeface="Arial"/>
-        <a:font script="Bugi" typeface="Leelawadee UI"/>
-        <a:font script="Bopo" typeface="Microsoft JhengHei"/>
-        <a:font script="Java" typeface="Javanese Text"/>
-        <a:font script="Lisu" typeface="Segoe UI"/>
-        <a:font script="Mymr" typeface="Myanmar Text"/>
-        <a:font script="Nkoo" typeface="Ebrima"/>
-        <a:font script="Olck" typeface="Nirmala UI"/>
-        <a:font script="Osma" typeface="Ebrima"/>
-        <a:font script="Phag" typeface="Phagspa"/>
-        <a:font script="Syrn" typeface="Estrangelo Edessa"/>
-        <a:font script="Syrj" typeface="Estrangelo Edessa"/>
-        <a:font script="Syre" typeface="Estrangelo Edessa"/>
-        <a:font script="Sora" typeface="Nirmala UI"/>
-        <a:font script="Tale" typeface="Microsoft Tai Le"/>
-        <a:font script="Talu" typeface="Microsoft New Tai Lue"/>
-        <a:font script="Tfng" typeface="Ebrima"/>
-      </a:minorFont>
-    </a:fontScheme>
-    <a:fmtScheme name="Office">
-      <a:fillStyleLst>
-        <a:solidFill>
-          <a:schemeClr val="phClr"/>
-        </a:solidFill>
-        <a:gradFill rotWithShape="1">
-          <a:gsLst>
-            <a:gs pos="0">
-              <a:schemeClr val="phClr">
-                <a:lumMod val="110000"/>
-                <a:satMod val="105000"/>
-                <a:tint val="67000"/>
-              </a:schemeClr>
-            </a:gs>
-            <a:gs pos="50000">
-              <a:schemeClr val="phClr">
-                <a:lumMod val="105000"/>
-                <a:satMod val="103000"/>
-                <a:tint val="73000"/>
-              </a:schemeClr>
-            </a:gs>
-            <a:gs pos="100000">
-              <a:schemeClr val="phClr">
-                <a:lumMod val="105000"/>
-                <a:satMod val="109000"/>
-                <a:tint val="81000"/>
-              </a:schemeClr>
-            </a:gs>
-          </a:gsLst>
-          <a:lin ang="5400000" scaled="0"/>
-        </a:gradFill>
-        <a:gradFill rotWithShape="1">
-          <a:gsLst>
-            <a:gs pos="0">
-              <a:schemeClr val="phClr">
-                <a:satMod val="103000"/>
-                <a:lumMod val="102000"/>
-                <a:tint val="94000"/>
-              </a:schemeClr>
-            </a:gs>
-            <a:gs pos="50000">
-              <a:schemeClr val="phClr">
-                <a:satMod val="110000"/>
-                <a:lumMod val="100000"/>
-                <a:shade val="100000"/>
-              </a:schemeClr>
-            </a:gs>
-            <a:gs pos="100000">
-              <a:schemeClr val="phClr">
-                <a:lumMod val="99000"/>
-                <a:satMod val="120000"/>
-                <a:shade val="78000"/>
-              </a:schemeClr>
-            </a:gs>
-          </a:gsLst>
-          <a:lin ang="5400000" scaled="0"/>
-        </a:gradFill>
-      </a:fillStyleLst>
-      <a:lnStyleLst>
-        <a:ln w="6350" cap="flat" cmpd="sng" algn="ctr">
-          <a:solidFill>
-            <a:schemeClr val="phClr"/>
-          </a:solidFill>
-          <a:prstDash val="solid"/>
-          <a:miter lim="800000"/>
-        </a:ln>
-        <a:ln w="12700" cap="flat" cmpd="sng" algn="ctr">
-          <a:solidFill>
-            <a:schemeClr val="phClr"/>
-          </a:solidFill>
-          <a:prstDash val="solid"/>
-          <a:miter lim="800000"/>
-        </a:ln>
-        <a:ln w="19050" cap="flat" cmpd="sng" algn="ctr">
-          <a:solidFill>
-            <a:schemeClr val="phClr"/>
-          </a:solidFill>
-          <a:prstDash val="solid"/>
-          <a:miter lim="800000"/>
-        </a:ln>
-      </a:lnStyleLst>
-      <a:effectStyleLst>
-        <a:effectStyle>
-          <a:effectLst/>
-        </a:effectStyle>
-        <a:effectStyle>
-          <a:effectLst/>
-        </a:effectStyle>
-        <a:effectStyle>
-          <a:effectLst>
-            <a:outerShdw blurRad="57150" dist="19050" dir="5400000" algn="ctr" rotWithShape="0">
-              <a:srgbClr val="000000">
-                <a:alpha val="63000"/>
-              </a:srgbClr>
-            </a:outerShdw>
-          </a:effectLst>
-        </a:effectStyle>
-      </a:effectStyleLst>
-      <a:bgFillStyleLst>
-        <a:solidFill>
-          <a:schemeClr val="phClr"/>
-        </a:solidFill>
-        <a:solidFill>
-          <a:schemeClr val="phClr">
-            <a:tint val="95000"/>
-            <a:satMod val="170000"/>
-          </a:schemeClr>
-        </a:solidFill>
-        <a:gradFill rotWithShape="1">
-          <a:gsLst>
-            <a:gs pos="0">
-              <a:schemeClr val="phClr">
-                <a:tint val="93000"/>
-                <a:satMod val="150000"/>
-                <a:shade val="98000"/>
-                <a:lumMod val="102000"/>
-              </a:schemeClr>
-            </a:gs>
-            <a:gs pos="50000">
-              <a:schemeClr val="phClr">
-                <a:tint val="98000"/>
-                <a:satMod val="130000"/>
-                <a:shade val="90000"/>
-                <a:lumMod val="103000"/>
-              </a:schemeClr>
-            </a:gs>
-            <a:gs pos="100000">
-              <a:schemeClr val="phClr">
-                <a:shade val="63000"/>
-                <a:satMod val="120000"/>
-              </a:schemeClr>
-            </a:gs>
-          </a:gsLst>
-          <a:lin ang="5400000" scaled="0"/>
-        </a:gradFill>
-      </a:bgFillStyleLst>
-    </a:fmtScheme>
-  </a:themeElements>
-  <a:objectDefaults/>
-  <a:extraClrSchemeLst/>
-  <a:extLst>
-    <a:ext uri="{05A4C25C-085E-4340-85A3-A5531E510DB2}">
-      <thm15:themeFamily xmlns:thm15="http://schemas.microsoft.com/office/thememl/2012/main" name="Office Theme" id="{62F939B6-93AF-4DB8-9C6B-D6C7DFDC589F}" vid="{4A3C46E8-61CC-4603-A589-7422A47A8E4A}"/>
-    </a:ext>
-  </a:extLst>
-</a:theme>
 </file>